--- a/images/theory_analysis/Docker_Component/Docker_Component.pptx
+++ b/images/theory_analysis/Docker_Component/Docker_Component.pptx
@@ -215,7 +215,7 @@
           <a:p>
             <a:fld id="{6CD5550B-26C4-49A9-A5BA-636EF7BE6CE9}" type="datetimeFigureOut">
               <a:rPr lang="ko-KR" altLang="en-US" smtClean="0"/>
-              <a:t>2020-05-24</a:t>
+              <a:t>2020-05-25</a:t>
             </a:fld>
             <a:endParaRPr lang="ko-KR" altLang="en-US"/>
           </a:p>
@@ -861,7 +861,7 @@
           <a:p>
             <a:fld id="{FB30EDBD-1C2D-4C1E-B459-B60219FAB484}" type="datetimeFigureOut">
               <a:rPr lang="ko-KR" altLang="en-US" smtClean="0"/>
-              <a:t>2020-05-24</a:t>
+              <a:t>2020-05-25</a:t>
             </a:fld>
             <a:endParaRPr lang="ko-KR" altLang="en-US"/>
           </a:p>
@@ -1024,7 +1024,7 @@
           <a:p>
             <a:fld id="{FB30EDBD-1C2D-4C1E-B459-B60219FAB484}" type="datetimeFigureOut">
               <a:rPr lang="ko-KR" altLang="en-US" smtClean="0"/>
-              <a:t>2020-05-24</a:t>
+              <a:t>2020-05-25</a:t>
             </a:fld>
             <a:endParaRPr lang="ko-KR" altLang="en-US"/>
           </a:p>
@@ -1197,7 +1197,7 @@
           <a:p>
             <a:fld id="{FB30EDBD-1C2D-4C1E-B459-B60219FAB484}" type="datetimeFigureOut">
               <a:rPr lang="ko-KR" altLang="en-US" smtClean="0"/>
-              <a:t>2020-05-24</a:t>
+              <a:t>2020-05-25</a:t>
             </a:fld>
             <a:endParaRPr lang="ko-KR" altLang="en-US"/>
           </a:p>
@@ -1360,7 +1360,7 @@
           <a:p>
             <a:fld id="{FB30EDBD-1C2D-4C1E-B459-B60219FAB484}" type="datetimeFigureOut">
               <a:rPr lang="ko-KR" altLang="en-US" smtClean="0"/>
-              <a:t>2020-05-24</a:t>
+              <a:t>2020-05-25</a:t>
             </a:fld>
             <a:endParaRPr lang="ko-KR" altLang="en-US"/>
           </a:p>
@@ -1600,7 +1600,7 @@
           <a:p>
             <a:fld id="{FB30EDBD-1C2D-4C1E-B459-B60219FAB484}" type="datetimeFigureOut">
               <a:rPr lang="ko-KR" altLang="en-US" smtClean="0"/>
-              <a:t>2020-05-24</a:t>
+              <a:t>2020-05-25</a:t>
             </a:fld>
             <a:endParaRPr lang="ko-KR" altLang="en-US"/>
           </a:p>
@@ -1880,7 +1880,7 @@
           <a:p>
             <a:fld id="{FB30EDBD-1C2D-4C1E-B459-B60219FAB484}" type="datetimeFigureOut">
               <a:rPr lang="ko-KR" altLang="en-US" smtClean="0"/>
-              <a:t>2020-05-24</a:t>
+              <a:t>2020-05-25</a:t>
             </a:fld>
             <a:endParaRPr lang="ko-KR" altLang="en-US"/>
           </a:p>
@@ -2294,7 +2294,7 @@
           <a:p>
             <a:fld id="{FB30EDBD-1C2D-4C1E-B459-B60219FAB484}" type="datetimeFigureOut">
               <a:rPr lang="ko-KR" altLang="en-US" smtClean="0"/>
-              <a:t>2020-05-24</a:t>
+              <a:t>2020-05-25</a:t>
             </a:fld>
             <a:endParaRPr lang="ko-KR" altLang="en-US"/>
           </a:p>
@@ -2406,7 +2406,7 @@
           <a:p>
             <a:fld id="{FB30EDBD-1C2D-4C1E-B459-B60219FAB484}" type="datetimeFigureOut">
               <a:rPr lang="ko-KR" altLang="en-US" smtClean="0"/>
-              <a:t>2020-05-24</a:t>
+              <a:t>2020-05-25</a:t>
             </a:fld>
             <a:endParaRPr lang="ko-KR" altLang="en-US"/>
           </a:p>
@@ -2496,7 +2496,7 @@
           <a:p>
             <a:fld id="{FB30EDBD-1C2D-4C1E-B459-B60219FAB484}" type="datetimeFigureOut">
               <a:rPr lang="ko-KR" altLang="en-US" smtClean="0"/>
-              <a:t>2020-05-24</a:t>
+              <a:t>2020-05-25</a:t>
             </a:fld>
             <a:endParaRPr lang="ko-KR" altLang="en-US"/>
           </a:p>
@@ -2766,7 +2766,7 @@
           <a:p>
             <a:fld id="{FB30EDBD-1C2D-4C1E-B459-B60219FAB484}" type="datetimeFigureOut">
               <a:rPr lang="ko-KR" altLang="en-US" smtClean="0"/>
-              <a:t>2020-05-24</a:t>
+              <a:t>2020-05-25</a:t>
             </a:fld>
             <a:endParaRPr lang="ko-KR" altLang="en-US"/>
           </a:p>
@@ -3013,7 +3013,7 @@
           <a:p>
             <a:fld id="{FB30EDBD-1C2D-4C1E-B459-B60219FAB484}" type="datetimeFigureOut">
               <a:rPr lang="ko-KR" altLang="en-US" smtClean="0"/>
-              <a:t>2020-05-24</a:t>
+              <a:t>2020-05-25</a:t>
             </a:fld>
             <a:endParaRPr lang="ko-KR" altLang="en-US"/>
           </a:p>
@@ -3219,7 +3219,7 @@
           <a:p>
             <a:fld id="{FB30EDBD-1C2D-4C1E-B459-B60219FAB484}" type="datetimeFigureOut">
               <a:rPr lang="ko-KR" altLang="en-US" smtClean="0"/>
-              <a:t>2020-05-24</a:t>
+              <a:t>2020-05-25</a:t>
             </a:fld>
             <a:endParaRPr lang="ko-KR" altLang="en-US"/>
           </a:p>
@@ -3633,8 +3633,8 @@
         </p:nvSpPr>
         <p:spPr>
           <a:xfrm>
-            <a:off x="6667014" y="1041104"/>
-            <a:ext cx="1872208" cy="320874"/>
+            <a:off x="6667013" y="1041104"/>
+            <a:ext cx="2008793" cy="320874"/>
           </a:xfrm>
           <a:prstGeom prst="roundRect">
             <a:avLst>
@@ -3713,7 +3713,7 @@
             <a:pPr algn="ctr"/>
             <a:r>
               <a:rPr lang="en-US" altLang="ko-KR" sz="1100"/>
-              <a:t>Docker Client (CLI)</a:t>
+              <a:t>Docker (Docker Client)</a:t>
             </a:r>
             <a:endParaRPr lang="ko-KR" altLang="en-US" sz="1100"/>
           </a:p>
@@ -3763,7 +3763,7 @@
             <a:pPr algn="ctr"/>
             <a:r>
               <a:rPr lang="en-US" altLang="ko-KR" sz="1100"/>
-              <a:t>Docker Daemon</a:t>
+              <a:t>dockerd (Docker Daemon)</a:t>
             </a:r>
             <a:endParaRPr lang="ko-KR" altLang="en-US" sz="1100"/>
           </a:p>
@@ -5941,8 +5941,8 @@
         </p:nvSpPr>
         <p:spPr>
           <a:xfrm>
-            <a:off x="6595655" y="1119301"/>
-            <a:ext cx="1872208" cy="320874"/>
+            <a:off x="6595654" y="1119301"/>
+            <a:ext cx="2008793" cy="320874"/>
           </a:xfrm>
           <a:prstGeom prst="roundRect">
             <a:avLst>
@@ -5991,8 +5991,8 @@
         </p:nvSpPr>
         <p:spPr>
           <a:xfrm>
-            <a:off x="6524296" y="1197498"/>
-            <a:ext cx="1872208" cy="320874"/>
+            <a:off x="6524295" y="1197498"/>
+            <a:ext cx="2008793" cy="320874"/>
           </a:xfrm>
           <a:prstGeom prst="roundRect">
             <a:avLst>
@@ -6021,9 +6021,8 @@
             <a:pPr algn="ctr"/>
             <a:r>
               <a:rPr lang="en-US" altLang="ko-KR" sz="1100"/>
-              <a:t>Docker Proxy</a:t>
-            </a:r>
-            <a:endParaRPr lang="ko-KR" altLang="en-US" sz="1100"/>
+              <a:t>docker-proxy (Docker Proxy)</a:t>
+            </a:r>
           </a:p>
         </p:txBody>
       </p:sp>
@@ -6502,8 +6501,8 @@
         </p:nvSpPr>
         <p:spPr>
           <a:xfrm>
-            <a:off x="842807" y="1132598"/>
-            <a:ext cx="1048677" cy="320874"/>
+            <a:off x="842806" y="1132598"/>
+            <a:ext cx="1568953" cy="320874"/>
           </a:xfrm>
           <a:prstGeom prst="roundRect">
             <a:avLst>
@@ -6535,7 +6534,7 @@
           <a:p>
             <a:r>
               <a:rPr lang="en-US" altLang="ko-KR" sz="1100"/>
-              <a:t>Unix Socket</a:t>
+              <a:t>Unix Domain Socket</a:t>
             </a:r>
             <a:endParaRPr lang="ko-KR" altLang="en-US" sz="1100"/>
           </a:p>
@@ -6780,7 +6779,7 @@
         <p:spPr>
           <a:xfrm>
             <a:off x="5787034" y="1265634"/>
-            <a:ext cx="737262" cy="92301"/>
+            <a:ext cx="737261" cy="92301"/>
           </a:xfrm>
           <a:prstGeom prst="straightConnector1">
             <a:avLst/>

--- a/images/theory_analysis/Docker_Component/Docker_Component.pptx
+++ b/images/theory_analysis/Docker_Component/Docker_Component.pptx
@@ -5682,55 +5682,6 @@
       </p:cxnSp>
       <p:cxnSp>
         <p:nvCxnSpPr>
-          <p:cNvPr id="241" name="직선 화살표 연결선 240">
-            <a:extLst>
-              <a:ext uri="{FF2B5EF4-FFF2-40B4-BE49-F238E27FC236}">
-                <a16:creationId xmlns:a16="http://schemas.microsoft.com/office/drawing/2014/main" id="{0BC67963-6050-436A-AD53-CEC6D646FA15}"/>
-              </a:ext>
-            </a:extLst>
-          </p:cNvPr>
-          <p:cNvCxnSpPr>
-            <a:cxnSpLocks/>
-            <a:stCxn id="16" idx="3"/>
-            <a:endCxn id="189" idx="0"/>
-          </p:cNvCxnSpPr>
-          <p:nvPr/>
-        </p:nvCxnSpPr>
-        <p:spPr>
-          <a:xfrm>
-            <a:off x="5787034" y="1265634"/>
-            <a:ext cx="2538111" cy="1216145"/>
-          </a:xfrm>
-          <a:prstGeom prst="straightConnector1">
-            <a:avLst/>
-          </a:prstGeom>
-          <a:ln w="19050">
-            <a:solidFill>
-              <a:schemeClr val="accent4">
-                <a:lumMod val="75000"/>
-              </a:schemeClr>
-            </a:solidFill>
-            <a:headEnd type="none" w="med" len="med"/>
-            <a:tailEnd type="arrow" w="med" len="med"/>
-          </a:ln>
-        </p:spPr>
-        <p:style>
-          <a:lnRef idx="1">
-            <a:schemeClr val="dk1"/>
-          </a:lnRef>
-          <a:fillRef idx="0">
-            <a:schemeClr val="dk1"/>
-          </a:fillRef>
-          <a:effectRef idx="0">
-            <a:schemeClr val="dk1"/>
-          </a:effectRef>
-          <a:fontRef idx="minor">
-            <a:schemeClr val="tx1"/>
-          </a:fontRef>
-        </p:style>
-      </p:cxnSp>
-      <p:cxnSp>
-        <p:nvCxnSpPr>
           <p:cNvPr id="244" name="직선 화살표 연결선 243">
             <a:extLst>
               <a:ext uri="{FF2B5EF4-FFF2-40B4-BE49-F238E27FC236}">
@@ -6834,6 +6785,152 @@
           <a:ln w="19050">
             <a:solidFill>
               <a:schemeClr val="accent6">
+                <a:lumMod val="75000"/>
+              </a:schemeClr>
+            </a:solidFill>
+            <a:headEnd type="none" w="med" len="med"/>
+            <a:tailEnd type="arrow" w="med" len="med"/>
+          </a:ln>
+        </p:spPr>
+        <p:style>
+          <a:lnRef idx="1">
+            <a:schemeClr val="dk1"/>
+          </a:lnRef>
+          <a:fillRef idx="0">
+            <a:schemeClr val="dk1"/>
+          </a:fillRef>
+          <a:effectRef idx="0">
+            <a:schemeClr val="dk1"/>
+          </a:effectRef>
+          <a:fontRef idx="minor">
+            <a:schemeClr val="tx1"/>
+          </a:fontRef>
+        </p:style>
+      </p:cxnSp>
+      <p:sp>
+        <p:nvSpPr>
+          <p:cNvPr id="67" name="사각형: 둥근 모서리 66">
+            <a:extLst>
+              <a:ext uri="{FF2B5EF4-FFF2-40B4-BE49-F238E27FC236}">
+                <a16:creationId xmlns:a16="http://schemas.microsoft.com/office/drawing/2014/main" id="{34DDE4D1-8F25-4E9A-A8BF-5C482C82EB1B}"/>
+              </a:ext>
+            </a:extLst>
+          </p:cNvPr>
+          <p:cNvSpPr/>
+          <p:nvPr/>
+        </p:nvSpPr>
+        <p:spPr>
+          <a:xfrm>
+            <a:off x="7100701" y="1586508"/>
+            <a:ext cx="1575105" cy="279589"/>
+          </a:xfrm>
+          <a:prstGeom prst="roundRect">
+            <a:avLst>
+              <a:gd name="adj" fmla="val 14873"/>
+            </a:avLst>
+          </a:prstGeom>
+        </p:spPr>
+        <p:style>
+          <a:lnRef idx="2">
+            <a:schemeClr val="dk1"/>
+          </a:lnRef>
+          <a:fillRef idx="1">
+            <a:schemeClr val="lt1"/>
+          </a:fillRef>
+          <a:effectRef idx="0">
+            <a:schemeClr val="dk1"/>
+          </a:effectRef>
+          <a:fontRef idx="minor">
+            <a:schemeClr val="dk1"/>
+          </a:fontRef>
+        </p:style>
+        <p:txBody>
+          <a:bodyPr rtlCol="0" anchor="ctr"/>
+          <a:lstStyle/>
+          <a:p>
+            <a:pPr algn="ctr"/>
+            <a:r>
+              <a:rPr lang="en-US" altLang="ko-KR" sz="1100"/>
+              <a:t>ctr (containerd Client)</a:t>
+            </a:r>
+            <a:endParaRPr lang="ko-KR" altLang="en-US" sz="1100"/>
+          </a:p>
+        </p:txBody>
+      </p:sp>
+      <p:cxnSp>
+        <p:nvCxnSpPr>
+          <p:cNvPr id="68" name="직선 화살표 연결선 67">
+            <a:extLst>
+              <a:ext uri="{FF2B5EF4-FFF2-40B4-BE49-F238E27FC236}">
+                <a16:creationId xmlns:a16="http://schemas.microsoft.com/office/drawing/2014/main" id="{B1A5BEF4-9A5D-40B7-9884-C14BA88D1C62}"/>
+              </a:ext>
+            </a:extLst>
+          </p:cNvPr>
+          <p:cNvCxnSpPr>
+            <a:cxnSpLocks/>
+            <a:stCxn id="67" idx="1"/>
+            <a:endCxn id="32" idx="3"/>
+          </p:cNvCxnSpPr>
+          <p:nvPr/>
+        </p:nvCxnSpPr>
+        <p:spPr>
+          <a:xfrm flipH="1">
+            <a:off x="5715675" y="1726303"/>
+            <a:ext cx="1385026" cy="148804"/>
+          </a:xfrm>
+          <a:prstGeom prst="straightConnector1">
+            <a:avLst/>
+          </a:prstGeom>
+          <a:ln w="19050">
+            <a:solidFill>
+              <a:schemeClr val="tx2"/>
+            </a:solidFill>
+            <a:headEnd type="none" w="med" len="med"/>
+            <a:tailEnd type="arrow" w="med" len="med"/>
+          </a:ln>
+        </p:spPr>
+        <p:style>
+          <a:lnRef idx="1">
+            <a:schemeClr val="dk1"/>
+          </a:lnRef>
+          <a:fillRef idx="0">
+            <a:schemeClr val="dk1"/>
+          </a:fillRef>
+          <a:effectRef idx="0">
+            <a:schemeClr val="dk1"/>
+          </a:effectRef>
+          <a:fontRef idx="minor">
+            <a:schemeClr val="tx1"/>
+          </a:fontRef>
+        </p:style>
+      </p:cxnSp>
+      <p:cxnSp>
+        <p:nvCxnSpPr>
+          <p:cNvPr id="241" name="직선 화살표 연결선 240">
+            <a:extLst>
+              <a:ext uri="{FF2B5EF4-FFF2-40B4-BE49-F238E27FC236}">
+                <a16:creationId xmlns:a16="http://schemas.microsoft.com/office/drawing/2014/main" id="{0BC67963-6050-436A-AD53-CEC6D646FA15}"/>
+              </a:ext>
+            </a:extLst>
+          </p:cNvPr>
+          <p:cNvCxnSpPr>
+            <a:cxnSpLocks/>
+            <a:stCxn id="16" idx="3"/>
+            <a:endCxn id="189" idx="0"/>
+          </p:cNvCxnSpPr>
+          <p:nvPr/>
+        </p:nvCxnSpPr>
+        <p:spPr>
+          <a:xfrm>
+            <a:off x="5787034" y="1265634"/>
+            <a:ext cx="2538111" cy="1216145"/>
+          </a:xfrm>
+          <a:prstGeom prst="straightConnector1">
+            <a:avLst/>
+          </a:prstGeom>
+          <a:ln w="19050">
+            <a:solidFill>
+              <a:schemeClr val="accent4">
                 <a:lumMod val="75000"/>
               </a:schemeClr>
             </a:solidFill>

--- a/images/theory_analysis/Docker_Component/Docker_Component.pptx
+++ b/images/theory_analysis/Docker_Component/Docker_Component.pptx
@@ -215,7 +215,7 @@
           <a:p>
             <a:fld id="{6CD5550B-26C4-49A9-A5BA-636EF7BE6CE9}" type="datetimeFigureOut">
               <a:rPr lang="ko-KR" altLang="en-US" smtClean="0"/>
-              <a:t>2020-05-25</a:t>
+              <a:t>2021-12-25</a:t>
             </a:fld>
             <a:endParaRPr lang="ko-KR" altLang="en-US"/>
           </a:p>
@@ -861,7 +861,7 @@
           <a:p>
             <a:fld id="{FB30EDBD-1C2D-4C1E-B459-B60219FAB484}" type="datetimeFigureOut">
               <a:rPr lang="ko-KR" altLang="en-US" smtClean="0"/>
-              <a:t>2020-05-25</a:t>
+              <a:t>2021-12-25</a:t>
             </a:fld>
             <a:endParaRPr lang="ko-KR" altLang="en-US"/>
           </a:p>
@@ -1024,7 +1024,7 @@
           <a:p>
             <a:fld id="{FB30EDBD-1C2D-4C1E-B459-B60219FAB484}" type="datetimeFigureOut">
               <a:rPr lang="ko-KR" altLang="en-US" smtClean="0"/>
-              <a:t>2020-05-25</a:t>
+              <a:t>2021-12-25</a:t>
             </a:fld>
             <a:endParaRPr lang="ko-KR" altLang="en-US"/>
           </a:p>
@@ -1197,7 +1197,7 @@
           <a:p>
             <a:fld id="{FB30EDBD-1C2D-4C1E-B459-B60219FAB484}" type="datetimeFigureOut">
               <a:rPr lang="ko-KR" altLang="en-US" smtClean="0"/>
-              <a:t>2020-05-25</a:t>
+              <a:t>2021-12-25</a:t>
             </a:fld>
             <a:endParaRPr lang="ko-KR" altLang="en-US"/>
           </a:p>
@@ -1360,7 +1360,7 @@
           <a:p>
             <a:fld id="{FB30EDBD-1C2D-4C1E-B459-B60219FAB484}" type="datetimeFigureOut">
               <a:rPr lang="ko-KR" altLang="en-US" smtClean="0"/>
-              <a:t>2020-05-25</a:t>
+              <a:t>2021-12-25</a:t>
             </a:fld>
             <a:endParaRPr lang="ko-KR" altLang="en-US"/>
           </a:p>
@@ -1600,7 +1600,7 @@
           <a:p>
             <a:fld id="{FB30EDBD-1C2D-4C1E-B459-B60219FAB484}" type="datetimeFigureOut">
               <a:rPr lang="ko-KR" altLang="en-US" smtClean="0"/>
-              <a:t>2020-05-25</a:t>
+              <a:t>2021-12-25</a:t>
             </a:fld>
             <a:endParaRPr lang="ko-KR" altLang="en-US"/>
           </a:p>
@@ -1880,7 +1880,7 @@
           <a:p>
             <a:fld id="{FB30EDBD-1C2D-4C1E-B459-B60219FAB484}" type="datetimeFigureOut">
               <a:rPr lang="ko-KR" altLang="en-US" smtClean="0"/>
-              <a:t>2020-05-25</a:t>
+              <a:t>2021-12-25</a:t>
             </a:fld>
             <a:endParaRPr lang="ko-KR" altLang="en-US"/>
           </a:p>
@@ -2294,7 +2294,7 @@
           <a:p>
             <a:fld id="{FB30EDBD-1C2D-4C1E-B459-B60219FAB484}" type="datetimeFigureOut">
               <a:rPr lang="ko-KR" altLang="en-US" smtClean="0"/>
-              <a:t>2020-05-25</a:t>
+              <a:t>2021-12-25</a:t>
             </a:fld>
             <a:endParaRPr lang="ko-KR" altLang="en-US"/>
           </a:p>
@@ -2406,7 +2406,7 @@
           <a:p>
             <a:fld id="{FB30EDBD-1C2D-4C1E-B459-B60219FAB484}" type="datetimeFigureOut">
               <a:rPr lang="ko-KR" altLang="en-US" smtClean="0"/>
-              <a:t>2020-05-25</a:t>
+              <a:t>2021-12-25</a:t>
             </a:fld>
             <a:endParaRPr lang="ko-KR" altLang="en-US"/>
           </a:p>
@@ -2496,7 +2496,7 @@
           <a:p>
             <a:fld id="{FB30EDBD-1C2D-4C1E-B459-B60219FAB484}" type="datetimeFigureOut">
               <a:rPr lang="ko-KR" altLang="en-US" smtClean="0"/>
-              <a:t>2020-05-25</a:t>
+              <a:t>2021-12-25</a:t>
             </a:fld>
             <a:endParaRPr lang="ko-KR" altLang="en-US"/>
           </a:p>
@@ -2766,7 +2766,7 @@
           <a:p>
             <a:fld id="{FB30EDBD-1C2D-4C1E-B459-B60219FAB484}" type="datetimeFigureOut">
               <a:rPr lang="ko-KR" altLang="en-US" smtClean="0"/>
-              <a:t>2020-05-25</a:t>
+              <a:t>2021-12-25</a:t>
             </a:fld>
             <a:endParaRPr lang="ko-KR" altLang="en-US"/>
           </a:p>
@@ -3013,7 +3013,7 @@
           <a:p>
             <a:fld id="{FB30EDBD-1C2D-4C1E-B459-B60219FAB484}" type="datetimeFigureOut">
               <a:rPr lang="ko-KR" altLang="en-US" smtClean="0"/>
-              <a:t>2020-05-25</a:t>
+              <a:t>2021-12-25</a:t>
             </a:fld>
             <a:endParaRPr lang="ko-KR" altLang="en-US"/>
           </a:p>
@@ -3219,7 +3219,7 @@
           <a:p>
             <a:fld id="{FB30EDBD-1C2D-4C1E-B459-B60219FAB484}" type="datetimeFigureOut">
               <a:rPr lang="ko-KR" altLang="en-US" smtClean="0"/>
-              <a:t>2020-05-25</a:t>
+              <a:t>2021-12-25</a:t>
             </a:fld>
             <a:endParaRPr lang="ko-KR" altLang="en-US"/>
           </a:p>
@@ -6095,7 +6095,7 @@
         <p:spPr>
           <a:xfrm>
             <a:off x="2047371" y="642452"/>
-            <a:ext cx="288032" cy="1503"/>
+            <a:ext cx="288031" cy="1503"/>
           </a:xfrm>
           <a:prstGeom prst="straightConnector1">
             <a:avLst/>
@@ -6137,8 +6137,8 @@
         </p:nvSpPr>
         <p:spPr>
           <a:xfrm>
-            <a:off x="2335403" y="483518"/>
-            <a:ext cx="575546" cy="320874"/>
+            <a:off x="2335402" y="483518"/>
+            <a:ext cx="1096802" cy="320874"/>
           </a:xfrm>
           <a:prstGeom prst="roundRect">
             <a:avLst>
@@ -6171,7 +6171,7 @@
             <a:pPr algn="ctr"/>
             <a:r>
               <a:rPr lang="en-US" altLang="ko-KR" sz="1100"/>
-              <a:t>exec()</a:t>
+              <a:t>fork() &amp; exec()</a:t>
             </a:r>
             <a:endParaRPr lang="ko-KR" altLang="en-US" sz="1100"/>
           </a:p>
@@ -6933,6 +6933,53 @@
               <a:schemeClr val="accent4">
                 <a:lumMod val="75000"/>
               </a:schemeClr>
+            </a:solidFill>
+            <a:headEnd type="none" w="med" len="med"/>
+            <a:tailEnd type="arrow" w="med" len="med"/>
+          </a:ln>
+        </p:spPr>
+        <p:style>
+          <a:lnRef idx="1">
+            <a:schemeClr val="dk1"/>
+          </a:lnRef>
+          <a:fillRef idx="0">
+            <a:schemeClr val="dk1"/>
+          </a:fillRef>
+          <a:effectRef idx="0">
+            <a:schemeClr val="dk1"/>
+          </a:effectRef>
+          <a:fontRef idx="minor">
+            <a:schemeClr val="tx1"/>
+          </a:fontRef>
+        </p:style>
+      </p:cxnSp>
+      <p:cxnSp>
+        <p:nvCxnSpPr>
+          <p:cNvPr id="70" name="직선 화살표 연결선 69">
+            <a:extLst>
+              <a:ext uri="{FF2B5EF4-FFF2-40B4-BE49-F238E27FC236}">
+                <a16:creationId xmlns:a16="http://schemas.microsoft.com/office/drawing/2014/main" id="{991F8DE8-8039-4898-9F55-AB8AEA0F328A}"/>
+              </a:ext>
+            </a:extLst>
+          </p:cNvPr>
+          <p:cNvCxnSpPr>
+            <a:cxnSpLocks/>
+            <a:stCxn id="17" idx="1"/>
+            <a:endCxn id="18" idx="0"/>
+          </p:cNvCxnSpPr>
+          <p:nvPr/>
+        </p:nvCxnSpPr>
+        <p:spPr>
+          <a:xfrm flipH="1">
+            <a:off x="2276735" y="1984075"/>
+            <a:ext cx="1084112" cy="440380"/>
+          </a:xfrm>
+          <a:prstGeom prst="straightConnector1">
+            <a:avLst/>
+          </a:prstGeom>
+          <a:ln w="19050">
+            <a:solidFill>
+              <a:srgbClr val="C00000"/>
             </a:solidFill>
             <a:headEnd type="none" w="med" len="med"/>
             <a:tailEnd type="arrow" w="med" len="med"/>
